--- a/Team Lucky Cat Project Proposal.pptx
+++ b/Team Lucky Cat Project Proposal.pptx
@@ -4323,7 +4323,7 @@
                 <a:latin typeface="Arial"/>
                 <a:ea typeface="Arial"/>
               </a:rPr>
-              <a:t>The Question</a:t>
+              <a:t>The Problem</a:t>
             </a:r>
             <a:endParaRPr lang="en-US" sz="1400" b="0" strike="noStrike" spc="-1" dirty="0">
               <a:solidFill>
@@ -5289,30 +5289,10 @@
                 <a:latin typeface="Arial"/>
                 <a:ea typeface="Arial"/>
               </a:rPr>
-              <a:t>map of San Diego communities.</a:t>
-            </a:r>
-            <a:endParaRPr lang="en-US" sz="2000" b="0" strike="noStrike" spc="-1" dirty="0">
-              <a:solidFill>
-                <a:srgbClr val="000000"/>
-              </a:solidFill>
-              <a:uFill>
-                <a:solidFill>
-                  <a:srgbClr val="FFFFFF"/>
-                </a:solidFill>
-              </a:uFill>
-              <a:latin typeface="Arial"/>
-            </a:endParaRPr>
-          </a:p>
-          <a:p>
-            <a:pPr marL="342900" indent="-342900">
-              <a:lnSpc>
-                <a:spcPct val="150000"/>
-              </a:lnSpc>
-              <a:buFont typeface="Arial" charset="0"/>
-              <a:buChar char="•"/>
-            </a:pPr>
-            <a:r>
-              <a:rPr lang="en-US" sz="2000" b="0" strike="noStrike" spc="-1" dirty="0">
+              <a:t>map of San Diego </a:t>
+            </a:r>
+            <a:r>
+              <a:rPr lang="en-US" sz="2000" b="0" strike="noStrike" spc="-1">
                 <a:solidFill>
                   <a:srgbClr val="595959"/>
                 </a:solidFill>
@@ -5324,28 +5304,46 @@
                 <a:latin typeface="Arial"/>
                 <a:ea typeface="Arial"/>
               </a:rPr>
-              <a:t>Store datasets on the website to be analyzed in JS.</a:t>
-            </a:r>
-            <a:endParaRPr lang="en-US" sz="2000" b="0" strike="noStrike" spc="-1" dirty="0">
-              <a:solidFill>
-                <a:srgbClr val="000000"/>
-              </a:solidFill>
-              <a:uFill>
-                <a:solidFill>
-                  <a:srgbClr val="FFFFFF"/>
-                </a:solidFill>
-              </a:uFill>
-              <a:latin typeface="Arial"/>
-            </a:endParaRPr>
-          </a:p>
-          <a:p>
-            <a:pPr marL="342900" indent="-342900">
+              <a:t>communities</a:t>
+            </a:r>
+            <a:r>
+              <a:rPr lang="en-US" sz="2000" b="0" strike="noStrike" spc="-1" smtClean="0">
+                <a:solidFill>
+                  <a:srgbClr val="595959"/>
+                </a:solidFill>
+                <a:uFill>
+                  <a:solidFill>
+                    <a:srgbClr val="FFFFFF"/>
+                  </a:solidFill>
+                </a:uFill>
+                <a:latin typeface="Arial"/>
+                <a:ea typeface="Arial"/>
+              </a:rPr>
+              <a:t>.</a:t>
+            </a:r>
+          </a:p>
+          <a:p>
+            <a:pPr marL="285750" indent="-285750">
               <a:lnSpc>
                 <a:spcPct val="150000"/>
               </a:lnSpc>
               <a:buFont typeface="Arial" charset="0"/>
               <a:buChar char="•"/>
             </a:pPr>
+            <a:r>
+              <a:rPr lang="en-US" sz="2000" b="0" strike="noStrike" spc="-1" smtClean="0">
+                <a:solidFill>
+                  <a:srgbClr val="000000"/>
+                </a:solidFill>
+                <a:uFill>
+                  <a:solidFill>
+                    <a:srgbClr val="FFFFFF"/>
+                  </a:solidFill>
+                </a:uFill>
+                <a:latin typeface="Arial"/>
+              </a:rPr>
+              <a:t> </a:t>
+            </a:r>
             <a:r>
               <a:rPr lang="en-US" sz="2000" spc="-1" dirty="0" smtClean="0">
                 <a:solidFill>
